--- a/01-CourseIntroduction/CourseIntroduction.pptx
+++ b/01-CourseIntroduction/CourseIntroduction.pptx
@@ -5,10 +5,10 @@
     <p:sldMasterId id="2147484995" r:id="rId1"/>
   </p:sldMasterIdLst>
   <p:notesMasterIdLst>
-    <p:notesMasterId r:id="rId20"/>
+    <p:notesMasterId r:id="rId19"/>
   </p:notesMasterIdLst>
   <p:handoutMasterIdLst>
-    <p:handoutMasterId r:id="rId21"/>
+    <p:handoutMasterId r:id="rId20"/>
   </p:handoutMasterIdLst>
   <p:sldIdLst>
     <p:sldId id="256" r:id="rId2"/>
@@ -16,19 +16,18 @@
     <p:sldId id="327" r:id="rId4"/>
     <p:sldId id="306" r:id="rId5"/>
     <p:sldId id="304" r:id="rId6"/>
-    <p:sldId id="342" r:id="rId7"/>
-    <p:sldId id="343" r:id="rId8"/>
-    <p:sldId id="307" r:id="rId9"/>
-    <p:sldId id="320" r:id="rId10"/>
-    <p:sldId id="291" r:id="rId11"/>
-    <p:sldId id="316" r:id="rId12"/>
-    <p:sldId id="317" r:id="rId13"/>
-    <p:sldId id="318" r:id="rId14"/>
-    <p:sldId id="319" r:id="rId15"/>
-    <p:sldId id="337" r:id="rId16"/>
-    <p:sldId id="334" r:id="rId17"/>
-    <p:sldId id="323" r:id="rId18"/>
-    <p:sldId id="340" r:id="rId19"/>
+    <p:sldId id="343" r:id="rId7"/>
+    <p:sldId id="307" r:id="rId8"/>
+    <p:sldId id="320" r:id="rId9"/>
+    <p:sldId id="291" r:id="rId10"/>
+    <p:sldId id="316" r:id="rId11"/>
+    <p:sldId id="317" r:id="rId12"/>
+    <p:sldId id="318" r:id="rId13"/>
+    <p:sldId id="319" r:id="rId14"/>
+    <p:sldId id="337" r:id="rId15"/>
+    <p:sldId id="334" r:id="rId16"/>
+    <p:sldId id="323" r:id="rId17"/>
+    <p:sldId id="340" r:id="rId18"/>
   </p:sldIdLst>
   <p:sldSz cx="12192000" cy="6858000"/>
   <p:notesSz cx="6888163" cy="10020300"/>
@@ -138,7 +137,7 @@
 <file path=ppt/revisionInfo.xml><?xml version="1.0" encoding="utf-8"?>
 <p1510:revInfo xmlns:a="http://schemas.openxmlformats.org/drawingml/2006/main" xmlns:r="http://schemas.openxmlformats.org/officeDocument/2006/relationships" xmlns:p1510="http://schemas.microsoft.com/office/powerpoint/2015/10/main">
   <p1510:revLst>
-    <p1510:client id="{E44E3207-EF6D-4D42-A3BC-CDD27D40FC93}" v="2" dt="2024-09-25T19:26:51.575"/>
+    <p1510:client id="{E44E3207-EF6D-4D42-A3BC-CDD27D40FC93}" v="6" dt="2024-10-04T20:17:12.617"/>
   </p1510:revLst>
 </p1510:revInfo>
 </file>
@@ -555,7 +554,7 @@
   <pc:docChgLst>
     <pc:chgData name="Janusz Stal" userId="570fe9c4-9123-4bde-9755-2a9767a29a9c" providerId="ADAL" clId="{E44E3207-EF6D-4D42-A3BC-CDD27D40FC93}"/>
     <pc:docChg chg="undo custSel delSld modSld">
-      <pc:chgData name="Janusz Stal" userId="570fe9c4-9123-4bde-9755-2a9767a29a9c" providerId="ADAL" clId="{E44E3207-EF6D-4D42-A3BC-CDD27D40FC93}" dt="2024-09-25T19:34:56.625" v="385" actId="2696"/>
+      <pc:chgData name="Janusz Stal" userId="570fe9c4-9123-4bde-9755-2a9767a29a9c" providerId="ADAL" clId="{E44E3207-EF6D-4D42-A3BC-CDD27D40FC93}" dt="2024-10-04T20:30:15.502" v="507" actId="2696"/>
       <pc:docMkLst>
         <pc:docMk/>
       </pc:docMkLst>
@@ -598,13 +597,13 @@
         </pc:spChg>
       </pc:sldChg>
       <pc:sldChg chg="modSp mod">
-        <pc:chgData name="Janusz Stal" userId="570fe9c4-9123-4bde-9755-2a9767a29a9c" providerId="ADAL" clId="{E44E3207-EF6D-4D42-A3BC-CDD27D40FC93}" dt="2024-09-25T19:28:49.611" v="215" actId="20577"/>
+        <pc:chgData name="Janusz Stal" userId="570fe9c4-9123-4bde-9755-2a9767a29a9c" providerId="ADAL" clId="{E44E3207-EF6D-4D42-A3BC-CDD27D40FC93}" dt="2024-10-04T20:28:17.981" v="506" actId="20577"/>
         <pc:sldMkLst>
           <pc:docMk/>
           <pc:sldMk cId="665344467" sldId="304"/>
         </pc:sldMkLst>
         <pc:graphicFrameChg chg="modGraphic">
-          <ac:chgData name="Janusz Stal" userId="570fe9c4-9123-4bde-9755-2a9767a29a9c" providerId="ADAL" clId="{E44E3207-EF6D-4D42-A3BC-CDD27D40FC93}" dt="2024-09-25T19:28:49.611" v="215" actId="20577"/>
+          <ac:chgData name="Janusz Stal" userId="570fe9c4-9123-4bde-9755-2a9767a29a9c" providerId="ADAL" clId="{E44E3207-EF6D-4D42-A3BC-CDD27D40FC93}" dt="2024-10-04T20:28:17.981" v="506" actId="20577"/>
           <ac:graphicFrameMkLst>
             <pc:docMk/>
             <pc:sldMk cId="665344467" sldId="304"/>
@@ -613,13 +612,13 @@
         </pc:graphicFrameChg>
       </pc:sldChg>
       <pc:sldChg chg="modSp mod">
-        <pc:chgData name="Janusz Stal" userId="570fe9c4-9123-4bde-9755-2a9767a29a9c" providerId="ADAL" clId="{E44E3207-EF6D-4D42-A3BC-CDD27D40FC93}" dt="2024-09-25T19:28:21.529" v="210" actId="20577"/>
+        <pc:chgData name="Janusz Stal" userId="570fe9c4-9123-4bde-9755-2a9767a29a9c" providerId="ADAL" clId="{E44E3207-EF6D-4D42-A3BC-CDD27D40FC93}" dt="2024-10-04T20:23:37.872" v="499" actId="20577"/>
         <pc:sldMkLst>
           <pc:docMk/>
           <pc:sldMk cId="995346915" sldId="306"/>
         </pc:sldMkLst>
         <pc:graphicFrameChg chg="mod modGraphic">
-          <ac:chgData name="Janusz Stal" userId="570fe9c4-9123-4bde-9755-2a9767a29a9c" providerId="ADAL" clId="{E44E3207-EF6D-4D42-A3BC-CDD27D40FC93}" dt="2024-09-25T19:28:21.529" v="210" actId="20577"/>
+          <ac:chgData name="Janusz Stal" userId="570fe9c4-9123-4bde-9755-2a9767a29a9c" providerId="ADAL" clId="{E44E3207-EF6D-4D42-A3BC-CDD27D40FC93}" dt="2024-10-04T20:23:37.872" v="499" actId="20577"/>
           <ac:graphicFrameMkLst>
             <pc:docMk/>
             <pc:sldMk cId="995346915" sldId="306"/>
@@ -720,6 +719,21 @@
             <pc:docMk/>
             <pc:sldMk cId="1809690938" sldId="340"/>
             <ac:spMk id="2" creationId="{F9B3077B-F8DD-C67E-9F11-D4182C72C97A}"/>
+          </ac:spMkLst>
+        </pc:spChg>
+      </pc:sldChg>
+      <pc:sldChg chg="modSp del mod">
+        <pc:chgData name="Janusz Stal" userId="570fe9c4-9123-4bde-9755-2a9767a29a9c" providerId="ADAL" clId="{E44E3207-EF6D-4D42-A3BC-CDD27D40FC93}" dt="2024-10-04T20:30:15.502" v="507" actId="2696"/>
+        <pc:sldMkLst>
+          <pc:docMk/>
+          <pc:sldMk cId="3170683099" sldId="342"/>
+        </pc:sldMkLst>
+        <pc:spChg chg="mod">
+          <ac:chgData name="Janusz Stal" userId="570fe9c4-9123-4bde-9755-2a9767a29a9c" providerId="ADAL" clId="{E44E3207-EF6D-4D42-A3BC-CDD27D40FC93}" dt="2024-10-04T20:23:53.140" v="505" actId="20577"/>
+          <ac:spMkLst>
+            <pc:docMk/>
+            <pc:sldMk cId="3170683099" sldId="342"/>
+            <ac:spMk id="2" creationId="{323C843C-BB9F-F359-A3C4-389BFAB44E17}"/>
           </ac:spMkLst>
         </pc:spChg>
       </pc:sldChg>
@@ -1538,7 +1552,7 @@
           <a:p>
             <a:fld id="{C106EF3D-C2A7-4690-80C8-C2473A856193}" type="datetimeFigureOut">
               <a:rPr lang="pl-PL" smtClean="0"/>
-              <a:t>25.09.2024</a:t>
+              <a:t>04.10.2024</a:t>
             </a:fld>
             <a:endParaRPr lang="pl-PL" dirty="0"/>
           </a:p>
@@ -1703,7 +1717,7 @@
           <a:p>
             <a:fld id="{85D68E81-03CD-43A1-B18B-BEB6B9439387}" type="datetimeFigureOut">
               <a:rPr lang="pl-PL" smtClean="0"/>
-              <a:t>25.09.2024</a:t>
+              <a:t>04.10.2024</a:t>
             </a:fld>
             <a:endParaRPr lang="pl-PL" dirty="0"/>
           </a:p>
@@ -2128,7 +2142,7 @@
     </p:spTree>
     <p:extLst>
       <p:ext uri="{BB962C8B-B14F-4D97-AF65-F5344CB8AC3E}">
-        <p14:creationId xmlns:p14="http://schemas.microsoft.com/office/powerpoint/2010/main" val="4234834416"/>
+        <p14:creationId xmlns:p14="http://schemas.microsoft.com/office/powerpoint/2010/main" val="3029718517"/>
       </p:ext>
     </p:extLst>
   </p:cSld>
@@ -2212,7 +2226,7 @@
     </p:spTree>
     <p:extLst>
       <p:ext uri="{BB962C8B-B14F-4D97-AF65-F5344CB8AC3E}">
-        <p14:creationId xmlns:p14="http://schemas.microsoft.com/office/powerpoint/2010/main" val="3029718517"/>
+        <p14:creationId xmlns:p14="http://schemas.microsoft.com/office/powerpoint/2010/main" val="3812384923"/>
       </p:ext>
     </p:extLst>
   </p:cSld>
@@ -2296,7 +2310,7 @@
     </p:spTree>
     <p:extLst>
       <p:ext uri="{BB962C8B-B14F-4D97-AF65-F5344CB8AC3E}">
-        <p14:creationId xmlns:p14="http://schemas.microsoft.com/office/powerpoint/2010/main" val="3812384923"/>
+        <p14:creationId xmlns:p14="http://schemas.microsoft.com/office/powerpoint/2010/main" val="411122275"/>
       </p:ext>
     </p:extLst>
   </p:cSld>
@@ -2380,7 +2394,7 @@
     </p:spTree>
     <p:extLst>
       <p:ext uri="{BB962C8B-B14F-4D97-AF65-F5344CB8AC3E}">
-        <p14:creationId xmlns:p14="http://schemas.microsoft.com/office/powerpoint/2010/main" val="411122275"/>
+        <p14:creationId xmlns:p14="http://schemas.microsoft.com/office/powerpoint/2010/main" val="132462848"/>
       </p:ext>
     </p:extLst>
   </p:cSld>
@@ -2464,7 +2478,7 @@
     </p:spTree>
     <p:extLst>
       <p:ext uri="{BB962C8B-B14F-4D97-AF65-F5344CB8AC3E}">
-        <p14:creationId xmlns:p14="http://schemas.microsoft.com/office/powerpoint/2010/main" val="132462848"/>
+        <p14:creationId xmlns:p14="http://schemas.microsoft.com/office/powerpoint/2010/main" val="2874145930"/>
       </p:ext>
     </p:extLst>
   </p:cSld>
@@ -2518,6 +2532,23 @@
           <a:bodyPr/>
           <a:lstStyle/>
           <a:p>
+            <a:pPr marL="0" marR="0" lvl="0" indent="0" algn="l" defTabSz="914400" rtl="0" eaLnBrk="1" fontAlgn="auto" latinLnBrk="0" hangingPunct="1">
+              <a:lnSpc>
+                <a:spcPct val="100000"/>
+              </a:lnSpc>
+              <a:spcBef>
+                <a:spcPts val="0"/>
+              </a:spcBef>
+              <a:spcAft>
+                <a:spcPts val="0"/>
+              </a:spcAft>
+              <a:buClrTx/>
+              <a:buSzTx/>
+              <a:buFontTx/>
+              <a:buNone/>
+              <a:tabLst/>
+              <a:defRPr/>
+            </a:pPr>
             <a:endParaRPr lang="pl-PL" dirty="0"/>
           </a:p>
         </p:txBody>
@@ -2548,7 +2579,7 @@
     </p:spTree>
     <p:extLst>
       <p:ext uri="{BB962C8B-B14F-4D97-AF65-F5344CB8AC3E}">
-        <p14:creationId xmlns:p14="http://schemas.microsoft.com/office/powerpoint/2010/main" val="2874145930"/>
+        <p14:creationId xmlns:p14="http://schemas.microsoft.com/office/powerpoint/2010/main" val="1298777106"/>
       </p:ext>
     </p:extLst>
   </p:cSld>
@@ -2602,23 +2633,6 @@
           <a:bodyPr/>
           <a:lstStyle/>
           <a:p>
-            <a:pPr marL="0" marR="0" lvl="0" indent="0" algn="l" defTabSz="914400" rtl="0" eaLnBrk="1" fontAlgn="auto" latinLnBrk="0" hangingPunct="1">
-              <a:lnSpc>
-                <a:spcPct val="100000"/>
-              </a:lnSpc>
-              <a:spcBef>
-                <a:spcPts val="0"/>
-              </a:spcBef>
-              <a:spcAft>
-                <a:spcPts val="0"/>
-              </a:spcAft>
-              <a:buClrTx/>
-              <a:buSzTx/>
-              <a:buFontTx/>
-              <a:buNone/>
-              <a:tabLst/>
-              <a:defRPr/>
-            </a:pPr>
             <a:endParaRPr lang="pl-PL" dirty="0"/>
           </a:p>
         </p:txBody>
@@ -2649,7 +2663,7 @@
     </p:spTree>
     <p:extLst>
       <p:ext uri="{BB962C8B-B14F-4D97-AF65-F5344CB8AC3E}">
-        <p14:creationId xmlns:p14="http://schemas.microsoft.com/office/powerpoint/2010/main" val="1298777106"/>
+        <p14:creationId xmlns:p14="http://schemas.microsoft.com/office/powerpoint/2010/main" val="547774683"/>
       </p:ext>
     </p:extLst>
   </p:cSld>
@@ -2725,90 +2739,6 @@
             <a:fld id="{A57965AB-F56B-43E1-8FC6-BF0F64E550D5}" type="slidenum">
               <a:rPr lang="pl-PL" smtClean="0"/>
               <a:t>17</a:t>
-            </a:fld>
-            <a:endParaRPr lang="pl-PL" dirty="0"/>
-          </a:p>
-        </p:txBody>
-      </p:sp>
-    </p:spTree>
-    <p:extLst>
-      <p:ext uri="{BB962C8B-B14F-4D97-AF65-F5344CB8AC3E}">
-        <p14:creationId xmlns:p14="http://schemas.microsoft.com/office/powerpoint/2010/main" val="547774683"/>
-      </p:ext>
-    </p:extLst>
-  </p:cSld>
-  <p:clrMapOvr>
-    <a:masterClrMapping/>
-  </p:clrMapOvr>
-</p:notes>
-</file>
-
-<file path=ppt/notesSlides/notesSlide18.xml><?xml version="1.0" encoding="utf-8"?>
-<p:notes xmlns:a="http://schemas.openxmlformats.org/drawingml/2006/main" xmlns:r="http://schemas.openxmlformats.org/officeDocument/2006/relationships" xmlns:p="http://schemas.openxmlformats.org/presentationml/2006/main">
-  <p:cSld>
-    <p:spTree>
-      <p:nvGrpSpPr>
-        <p:cNvPr id="1" name=""/>
-        <p:cNvGrpSpPr/>
-        <p:nvPr/>
-      </p:nvGrpSpPr>
-      <p:grpSpPr>
-        <a:xfrm>
-          <a:off x="0" y="0"/>
-          <a:ext cx="0" cy="0"/>
-          <a:chOff x="0" y="0"/>
-          <a:chExt cx="0" cy="0"/>
-        </a:xfrm>
-      </p:grpSpPr>
-      <p:sp>
-        <p:nvSpPr>
-          <p:cNvPr id="2" name="Symbol zastępczy obrazu slajdu 1"/>
-          <p:cNvSpPr>
-            <a:spLocks noGrp="1" noRot="1" noChangeAspect="1"/>
-          </p:cNvSpPr>
-          <p:nvPr>
-            <p:ph type="sldImg"/>
-          </p:nvPr>
-        </p:nvSpPr>
-        <p:spPr/>
-      </p:sp>
-      <p:sp>
-        <p:nvSpPr>
-          <p:cNvPr id="3" name="Symbol zastępczy notatek 2"/>
-          <p:cNvSpPr>
-            <a:spLocks noGrp="1"/>
-          </p:cNvSpPr>
-          <p:nvPr>
-            <p:ph type="body" idx="1"/>
-          </p:nvPr>
-        </p:nvSpPr>
-        <p:spPr/>
-        <p:txBody>
-          <a:bodyPr/>
-          <a:lstStyle/>
-          <a:p>
-            <a:endParaRPr lang="pl-PL" dirty="0"/>
-          </a:p>
-        </p:txBody>
-      </p:sp>
-      <p:sp>
-        <p:nvSpPr>
-          <p:cNvPr id="4" name="Symbol zastępczy numeru slajdu 3"/>
-          <p:cNvSpPr>
-            <a:spLocks noGrp="1"/>
-          </p:cNvSpPr>
-          <p:nvPr>
-            <p:ph type="sldNum" sz="quarter" idx="5"/>
-          </p:nvPr>
-        </p:nvSpPr>
-        <p:spPr/>
-        <p:txBody>
-          <a:bodyPr/>
-          <a:lstStyle/>
-          <a:p>
-            <a:fld id="{A57965AB-F56B-43E1-8FC6-BF0F64E550D5}" type="slidenum">
-              <a:rPr lang="pl-PL" smtClean="0"/>
-              <a:t>18</a:t>
             </a:fld>
             <a:endParaRPr lang="pl-PL" dirty="0"/>
           </a:p>
@@ -3237,7 +3167,7 @@
     </p:spTree>
     <p:extLst>
       <p:ext uri="{BB962C8B-B14F-4D97-AF65-F5344CB8AC3E}">
-        <p14:creationId xmlns:p14="http://schemas.microsoft.com/office/powerpoint/2010/main" val="1464182208"/>
+        <p14:creationId xmlns:p14="http://schemas.microsoft.com/office/powerpoint/2010/main" val="3656928766"/>
       </p:ext>
     </p:extLst>
   </p:cSld>
@@ -3321,7 +3251,7 @@
     </p:spTree>
     <p:extLst>
       <p:ext uri="{BB962C8B-B14F-4D97-AF65-F5344CB8AC3E}">
-        <p14:creationId xmlns:p14="http://schemas.microsoft.com/office/powerpoint/2010/main" val="3656928766"/>
+        <p14:creationId xmlns:p14="http://schemas.microsoft.com/office/powerpoint/2010/main" val="381066679"/>
       </p:ext>
     </p:extLst>
   </p:cSld>
@@ -3405,7 +3335,7 @@
     </p:spTree>
     <p:extLst>
       <p:ext uri="{BB962C8B-B14F-4D97-AF65-F5344CB8AC3E}">
-        <p14:creationId xmlns:p14="http://schemas.microsoft.com/office/powerpoint/2010/main" val="381066679"/>
+        <p14:creationId xmlns:p14="http://schemas.microsoft.com/office/powerpoint/2010/main" val="1643569153"/>
       </p:ext>
     </p:extLst>
   </p:cSld>
@@ -3489,7 +3419,7 @@
     </p:spTree>
     <p:extLst>
       <p:ext uri="{BB962C8B-B14F-4D97-AF65-F5344CB8AC3E}">
-        <p14:creationId xmlns:p14="http://schemas.microsoft.com/office/powerpoint/2010/main" val="1643569153"/>
+        <p14:creationId xmlns:p14="http://schemas.microsoft.com/office/powerpoint/2010/main" val="4234834416"/>
       </p:ext>
     </p:extLst>
   </p:cSld>
@@ -3628,7 +3558,7 @@
           <a:p>
             <a:fld id="{F26B3061-B9B7-461F-AB67-5D66A3ABCDA5}" type="datetime1">
               <a:rPr lang="pl-PL" smtClean="0"/>
-              <a:t>25.09.2024</a:t>
+              <a:t>04.10.2024</a:t>
             </a:fld>
             <a:endParaRPr lang="pl-PL" dirty="0"/>
           </a:p>
@@ -3903,7 +3833,7 @@
           <a:p>
             <a:fld id="{A2ADAE54-1728-4B6D-BEF4-D2AEA4F8114E}" type="datetime1">
               <a:rPr lang="pl-PL" smtClean="0"/>
-              <a:t>25.09.2024</a:t>
+              <a:t>04.10.2024</a:t>
             </a:fld>
             <a:endParaRPr lang="pl-PL" dirty="0"/>
           </a:p>
@@ -4155,7 +4085,7 @@
           <a:p>
             <a:fld id="{919C3B4F-179D-44ED-90DF-E8739DC8608F}" type="datetime1">
               <a:rPr lang="pl-PL" smtClean="0"/>
-              <a:t>25.09.2024</a:t>
+              <a:t>04.10.2024</a:t>
             </a:fld>
             <a:endParaRPr lang="pl-PL" dirty="0"/>
           </a:p>
@@ -4323,7 +4253,7 @@
           <a:p>
             <a:fld id="{10A2297D-8C4B-4C5B-B66E-47E601842B03}" type="datetime1">
               <a:rPr lang="pl-PL" smtClean="0"/>
-              <a:t>25.09.2024</a:t>
+              <a:t>04.10.2024</a:t>
             </a:fld>
             <a:endParaRPr lang="pl-PL" dirty="0"/>
           </a:p>
@@ -4501,7 +4431,7 @@
           <a:p>
             <a:fld id="{94B42B50-113C-45E3-9231-B66C297B394E}" type="datetime1">
               <a:rPr lang="pl-PL" smtClean="0"/>
-              <a:t>25.09.2024</a:t>
+              <a:t>04.10.2024</a:t>
             </a:fld>
             <a:endParaRPr lang="pl-PL" dirty="0"/>
           </a:p>
@@ -4658,7 +4588,7 @@
           <a:p>
             <a:fld id="{9549FAE5-AB97-492F-ADAE-06E72624D9F3}" type="datetime1">
               <a:rPr lang="pl-PL" smtClean="0"/>
-              <a:t>25.09.2024</a:t>
+              <a:t>04.10.2024</a:t>
             </a:fld>
             <a:endParaRPr lang="pl-PL" dirty="0"/>
           </a:p>
@@ -4846,7 +4776,7 @@
           <a:p>
             <a:fld id="{9549FAE5-AB97-492F-ADAE-06E72624D9F3}" type="datetime1">
               <a:rPr lang="pl-PL" smtClean="0"/>
-              <a:t>25.09.2024</a:t>
+              <a:t>04.10.2024</a:t>
             </a:fld>
             <a:endParaRPr lang="pl-PL" dirty="0"/>
           </a:p>
@@ -5033,7 +4963,7 @@
           <a:p>
             <a:fld id="{9549FAE5-AB97-492F-ADAE-06E72624D9F3}" type="datetime1">
               <a:rPr lang="pl-PL" smtClean="0"/>
-              <a:t>25.09.2024</a:t>
+              <a:t>04.10.2024</a:t>
             </a:fld>
             <a:endParaRPr lang="pl-PL" dirty="0"/>
           </a:p>
@@ -5305,7 +5235,7 @@
           <a:p>
             <a:fld id="{ED0EDA0A-F020-4B01-AF63-E290248EFD6B}" type="datetime1">
               <a:rPr lang="pl-PL" smtClean="0"/>
-              <a:t>25.09.2024</a:t>
+              <a:t>04.10.2024</a:t>
             </a:fld>
             <a:endParaRPr lang="pl-PL" dirty="0"/>
           </a:p>
@@ -5561,7 +5491,7 @@
           <a:p>
             <a:fld id="{8B752FBA-2CC8-4F32-B36A-B6E16B4A5C14}" type="datetime1">
               <a:rPr lang="pl-PL" smtClean="0"/>
-              <a:t>25.09.2024</a:t>
+              <a:t>04.10.2024</a:t>
             </a:fld>
             <a:endParaRPr lang="pl-PL" dirty="0"/>
           </a:p>
@@ -5947,7 +5877,7 @@
           <a:p>
             <a:fld id="{3B7BA32A-B79B-42FE-906A-2593AD6A7FCC}" type="datetime1">
               <a:rPr lang="pl-PL" smtClean="0"/>
-              <a:t>25.09.2024</a:t>
+              <a:t>04.10.2024</a:t>
             </a:fld>
             <a:endParaRPr lang="pl-PL" dirty="0"/>
           </a:p>
@@ -6069,7 +5999,7 @@
           <a:p>
             <a:fld id="{3E28EDCB-CC2B-4C70-B921-DD5382BD4849}" type="datetime1">
               <a:rPr lang="pl-PL" smtClean="0"/>
-              <a:t>25.09.2024</a:t>
+              <a:t>04.10.2024</a:t>
             </a:fld>
             <a:endParaRPr lang="pl-PL" dirty="0"/>
           </a:p>
@@ -6164,7 +6094,7 @@
           <a:p>
             <a:fld id="{E960CF9B-2F8C-4614-93FE-75BD5748BF99}" type="datetime1">
               <a:rPr lang="pl-PL" smtClean="0"/>
-              <a:t>25.09.2024</a:t>
+              <a:t>04.10.2024</a:t>
             </a:fld>
             <a:endParaRPr lang="pl-PL" dirty="0"/>
           </a:p>
@@ -6380,7 +6310,7 @@
           <a:p>
             <a:fld id="{8F276EAB-4011-4C81-ACEC-B79731A9A244}" type="datetime1">
               <a:rPr lang="pl-PL" smtClean="0"/>
-              <a:t>25.09.2024</a:t>
+              <a:t>04.10.2024</a:t>
             </a:fld>
             <a:endParaRPr lang="pl-PL" dirty="0"/>
           </a:p>
@@ -6900,219 +6830,6 @@
       </p:grpSpPr>
       <p:sp>
         <p:nvSpPr>
-          <p:cNvPr id="6" name="Symbol zastępczy zawartości 5">
-            <a:extLst>
-              <a:ext uri="{FF2B5EF4-FFF2-40B4-BE49-F238E27FC236}">
-                <a16:creationId xmlns:a16="http://schemas.microsoft.com/office/drawing/2014/main" id="{3BEF4DD1-DF03-4BD7-972C-609EAA9D84FC}"/>
-              </a:ext>
-            </a:extLst>
-          </p:cNvPr>
-          <p:cNvSpPr>
-            <a:spLocks noGrp="1"/>
-          </p:cNvSpPr>
-          <p:nvPr>
-            <p:ph idx="1"/>
-          </p:nvPr>
-        </p:nvSpPr>
-        <p:spPr/>
-        <p:txBody>
-          <a:bodyPr>
-            <a:normAutofit/>
-          </a:bodyPr>
-          <a:lstStyle/>
-          <a:p>
-            <a:pPr marL="514350" indent="-514350">
-              <a:buFont typeface="+mj-lt"/>
-              <a:buAutoNum type="arabicPeriod"/>
-            </a:pPr>
-            <a:r>
-              <a:rPr lang="pl-PL" dirty="0"/>
-              <a:t>Run Microsoft </a:t>
-            </a:r>
-            <a:r>
-              <a:rPr lang="pl-PL" dirty="0" err="1"/>
-              <a:t>Teams</a:t>
-            </a:r>
-            <a:endParaRPr lang="pl-PL" dirty="0"/>
-          </a:p>
-          <a:p>
-            <a:pPr marL="514350" indent="-514350">
-              <a:buFont typeface="+mj-lt"/>
-              <a:buAutoNum type="arabicPeriod"/>
-            </a:pPr>
-            <a:r>
-              <a:rPr lang="en-US" dirty="0"/>
-              <a:t>Log in to your account</a:t>
-            </a:r>
-          </a:p>
-          <a:p>
-            <a:pPr marL="514350" indent="-514350">
-              <a:buFont typeface="+mj-lt"/>
-              <a:buAutoNum type="arabicPeriod"/>
-            </a:pPr>
-            <a:r>
-              <a:rPr lang="pl-PL" dirty="0"/>
-              <a:t>Display team list</a:t>
-            </a:r>
-          </a:p>
-          <a:p>
-            <a:pPr marL="514350" indent="-514350">
-              <a:buFont typeface="+mj-lt"/>
-              <a:buAutoNum type="arabicPeriod"/>
-            </a:pPr>
-            <a:r>
-              <a:rPr lang="pl-PL" dirty="0"/>
-              <a:t>Select „</a:t>
-            </a:r>
-            <a:r>
-              <a:rPr lang="pl-PL" dirty="0" err="1"/>
-              <a:t>join</a:t>
-            </a:r>
-            <a:r>
-              <a:rPr lang="pl-PL" dirty="0"/>
-              <a:t> a team”</a:t>
-            </a:r>
-          </a:p>
-          <a:p>
-            <a:pPr marL="514350" indent="-514350">
-              <a:buFont typeface="+mj-lt"/>
-              <a:buAutoNum type="arabicPeriod"/>
-            </a:pPr>
-            <a:r>
-              <a:rPr lang="pl-PL" dirty="0" err="1"/>
-              <a:t>Use</a:t>
-            </a:r>
-            <a:r>
-              <a:rPr lang="pl-PL" dirty="0"/>
-              <a:t> a team code</a:t>
-            </a:r>
-            <a:br>
-              <a:rPr lang="pl-PL" dirty="0"/>
-            </a:br>
-            <a:r>
-              <a:rPr lang="pl-PL" dirty="0">
-                <a:solidFill>
-                  <a:srgbClr val="00B0F0"/>
-                </a:solidFill>
-              </a:rPr>
-              <a:t>2626hb7</a:t>
-            </a:r>
-          </a:p>
-        </p:txBody>
-      </p:sp>
-      <p:sp>
-        <p:nvSpPr>
-          <p:cNvPr id="4" name="Symbol zastępczy numeru slajdu 3">
-            <a:extLst>
-              <a:ext uri="{FF2B5EF4-FFF2-40B4-BE49-F238E27FC236}">
-                <a16:creationId xmlns:a16="http://schemas.microsoft.com/office/drawing/2014/main" id="{A9E7A3CE-C572-405A-92A2-0E1533B68464}"/>
-              </a:ext>
-            </a:extLst>
-          </p:cNvPr>
-          <p:cNvSpPr>
-            <a:spLocks noGrp="1"/>
-          </p:cNvSpPr>
-          <p:nvPr>
-            <p:ph type="sldNum" sz="quarter" idx="12"/>
-          </p:nvPr>
-        </p:nvSpPr>
-        <p:spPr/>
-        <p:txBody>
-          <a:bodyPr/>
-          <a:lstStyle/>
-          <a:p>
-            <a:fld id="{254C963F-D690-449C-B336-8B464EE7B8DB}" type="slidenum">
-              <a:rPr lang="en-US" smtClean="0"/>
-              <a:t>10</a:t>
-            </a:fld>
-            <a:endParaRPr lang="en-US" dirty="0"/>
-          </a:p>
-        </p:txBody>
-      </p:sp>
-      <p:sp>
-        <p:nvSpPr>
-          <p:cNvPr id="5" name="Tytuł 4">
-            <a:extLst>
-              <a:ext uri="{FF2B5EF4-FFF2-40B4-BE49-F238E27FC236}">
-                <a16:creationId xmlns:a16="http://schemas.microsoft.com/office/drawing/2014/main" id="{E5EAA86D-7FAF-4F5F-B693-8A5642336538}"/>
-              </a:ext>
-            </a:extLst>
-          </p:cNvPr>
-          <p:cNvSpPr>
-            <a:spLocks noGrp="1"/>
-          </p:cNvSpPr>
-          <p:nvPr>
-            <p:ph type="title"/>
-          </p:nvPr>
-        </p:nvSpPr>
-        <p:spPr/>
-        <p:txBody>
-          <a:bodyPr/>
-          <a:lstStyle/>
-          <a:p>
-            <a:r>
-              <a:rPr lang="en-US" dirty="0"/>
-              <a:t>Sign up for </a:t>
-            </a:r>
-            <a:r>
-              <a:rPr lang="pl-PL" dirty="0"/>
-              <a:t>C</a:t>
-            </a:r>
-            <a:r>
-              <a:rPr lang="en-US" dirty="0" err="1"/>
-              <a:t>ourse</a:t>
-            </a:r>
-            <a:r>
-              <a:rPr lang="en-US" dirty="0"/>
-              <a:t> on Teams</a:t>
-            </a:r>
-          </a:p>
-        </p:txBody>
-      </p:sp>
-    </p:spTree>
-    <p:extLst>
-      <p:ext uri="{BB962C8B-B14F-4D97-AF65-F5344CB8AC3E}">
-        <p14:creationId xmlns:p14="http://schemas.microsoft.com/office/powerpoint/2010/main" val="3207883656"/>
-      </p:ext>
-    </p:extLst>
-  </p:cSld>
-  <p:clrMapOvr>
-    <a:masterClrMapping/>
-  </p:clrMapOvr>
-  <mc:AlternateContent xmlns:mc="http://schemas.openxmlformats.org/markup-compatibility/2006" xmlns:p14="http://schemas.microsoft.com/office/powerpoint/2010/main">
-    <mc:Choice Requires="p14">
-      <p:transition spd="slow" p14:dur="1200" advTm="30614">
-        <p14:prism/>
-      </p:transition>
-    </mc:Choice>
-    <mc:Fallback xmlns="">
-      <p:transition spd="slow" advTm="30614">
-        <p:fade/>
-      </p:transition>
-    </mc:Fallback>
-  </mc:AlternateContent>
-</p:sld>
-</file>
-
-<file path=ppt/slides/slide11.xml><?xml version="1.0" encoding="utf-8"?>
-<p:sld xmlns:a="http://schemas.openxmlformats.org/drawingml/2006/main" xmlns:r="http://schemas.openxmlformats.org/officeDocument/2006/relationships" xmlns:p="http://schemas.openxmlformats.org/presentationml/2006/main">
-  <p:cSld>
-    <p:spTree>
-      <p:nvGrpSpPr>
-        <p:cNvPr id="1" name=""/>
-        <p:cNvGrpSpPr/>
-        <p:nvPr/>
-      </p:nvGrpSpPr>
-      <p:grpSpPr>
-        <a:xfrm>
-          <a:off x="0" y="0"/>
-          <a:ext cx="0" cy="0"/>
-          <a:chOff x="0" y="0"/>
-          <a:chExt cx="0" cy="0"/>
-        </a:xfrm>
-      </p:grpSpPr>
-      <p:sp>
-        <p:nvSpPr>
           <p:cNvPr id="2" name="Symbol zastępczy zawartości 1">
             <a:extLst>
               <a:ext uri="{FF2B5EF4-FFF2-40B4-BE49-F238E27FC236}">
@@ -7238,7 +6955,7 @@
           <a:p>
             <a:fld id="{254C963F-D690-449C-B336-8B464EE7B8DB}" type="slidenum">
               <a:rPr lang="pl-PL" smtClean="0"/>
-              <a:t>11</a:t>
+              <a:t>10</a:t>
             </a:fld>
             <a:endParaRPr lang="pl-PL" dirty="0"/>
           </a:p>
@@ -7297,7 +7014,7 @@
 </p:sld>
 </file>
 
-<file path=ppt/slides/slide12.xml><?xml version="1.0" encoding="utf-8"?>
+<file path=ppt/slides/slide11.xml><?xml version="1.0" encoding="utf-8"?>
 <p:sld xmlns:a="http://schemas.openxmlformats.org/drawingml/2006/main" xmlns:r="http://schemas.openxmlformats.org/officeDocument/2006/relationships" xmlns:p="http://schemas.openxmlformats.org/presentationml/2006/main">
   <p:cSld>
     <p:spTree>
@@ -7517,7 +7234,7 @@
           <a:p>
             <a:fld id="{254C963F-D690-449C-B336-8B464EE7B8DB}" type="slidenum">
               <a:rPr lang="pl-PL" smtClean="0"/>
-              <a:t>12</a:t>
+              <a:t>11</a:t>
             </a:fld>
             <a:endParaRPr lang="pl-PL" dirty="0"/>
           </a:p>
@@ -7581,7 +7298,7 @@
 </p:sld>
 </file>
 
-<file path=ppt/slides/slide13.xml><?xml version="1.0" encoding="utf-8"?>
+<file path=ppt/slides/slide12.xml><?xml version="1.0" encoding="utf-8"?>
 <p:sld xmlns:a="http://schemas.openxmlformats.org/drawingml/2006/main" xmlns:r="http://schemas.openxmlformats.org/officeDocument/2006/relationships" xmlns:p="http://schemas.openxmlformats.org/presentationml/2006/main">
   <p:cSld>
     <p:spTree>
@@ -7810,7 +7527,7 @@
           <a:p>
             <a:fld id="{254C963F-D690-449C-B336-8B464EE7B8DB}" type="slidenum">
               <a:rPr lang="pl-PL" smtClean="0"/>
-              <a:t>13</a:t>
+              <a:t>12</a:t>
             </a:fld>
             <a:endParaRPr lang="pl-PL" dirty="0"/>
           </a:p>
@@ -7877,7 +7594,7 @@
 </p:sld>
 </file>
 
-<file path=ppt/slides/slide14.xml><?xml version="1.0" encoding="utf-8"?>
+<file path=ppt/slides/slide13.xml><?xml version="1.0" encoding="utf-8"?>
 <p:sld xmlns:a="http://schemas.openxmlformats.org/drawingml/2006/main" xmlns:r="http://schemas.openxmlformats.org/officeDocument/2006/relationships" xmlns:p="http://schemas.openxmlformats.org/presentationml/2006/main">
   <p:cSld>
     <p:spTree>
@@ -7973,7 +7690,7 @@
           <a:p>
             <a:fld id="{254C963F-D690-449C-B336-8B464EE7B8DB}" type="slidenum">
               <a:rPr lang="pl-PL" smtClean="0"/>
-              <a:t>14</a:t>
+              <a:t>13</a:t>
             </a:fld>
             <a:endParaRPr lang="pl-PL" dirty="0"/>
           </a:p>
@@ -8004,7 +7721,7 @@
 </p:sld>
 </file>
 
-<file path=ppt/slides/slide15.xml><?xml version="1.0" encoding="utf-8"?>
+<file path=ppt/slides/slide14.xml><?xml version="1.0" encoding="utf-8"?>
 <p:sld xmlns:a="http://schemas.openxmlformats.org/drawingml/2006/main" xmlns:r="http://schemas.openxmlformats.org/officeDocument/2006/relationships" xmlns:p="http://schemas.openxmlformats.org/presentationml/2006/main">
   <p:cSld>
     <p:spTree>
@@ -8183,7 +7900,7 @@
           <a:p>
             <a:fld id="{254C963F-D690-449C-B336-8B464EE7B8DB}" type="slidenum">
               <a:rPr lang="pl-PL" smtClean="0"/>
-              <a:t>15</a:t>
+              <a:t>14</a:t>
             </a:fld>
             <a:endParaRPr lang="pl-PL" dirty="0"/>
           </a:p>
@@ -8319,7 +8036,7 @@
 </p:sld>
 </file>
 
-<file path=ppt/slides/slide16.xml><?xml version="1.0" encoding="utf-8"?>
+<file path=ppt/slides/slide15.xml><?xml version="1.0" encoding="utf-8"?>
 <p:sld xmlns:a="http://schemas.openxmlformats.org/drawingml/2006/main" xmlns:r="http://schemas.openxmlformats.org/officeDocument/2006/relationships" xmlns:p="http://schemas.openxmlformats.org/presentationml/2006/main">
   <p:cSld>
     <p:spTree>
@@ -8500,7 +8217,7 @@
           <a:p>
             <a:fld id="{254C963F-D690-449C-B336-8B464EE7B8DB}" type="slidenum">
               <a:rPr lang="pl-PL" smtClean="0"/>
-              <a:t>16</a:t>
+              <a:t>15</a:t>
             </a:fld>
             <a:endParaRPr lang="pl-PL" dirty="0"/>
           </a:p>
@@ -8606,7 +8323,7 @@
 </p:sld>
 </file>
 
-<file path=ppt/slides/slide17.xml><?xml version="1.0" encoding="utf-8"?>
+<file path=ppt/slides/slide16.xml><?xml version="1.0" encoding="utf-8"?>
 <p:sld xmlns:a="http://schemas.openxmlformats.org/drawingml/2006/main" xmlns:r="http://schemas.openxmlformats.org/officeDocument/2006/relationships" xmlns:p="http://schemas.openxmlformats.org/presentationml/2006/main">
   <p:cSld>
     <p:spTree>
@@ -8843,7 +8560,7 @@
           <a:p>
             <a:fld id="{254C963F-D690-449C-B336-8B464EE7B8DB}" type="slidenum">
               <a:rPr lang="pl-PL" smtClean="0"/>
-              <a:t>17</a:t>
+              <a:t>16</a:t>
             </a:fld>
             <a:endParaRPr lang="pl-PL" dirty="0"/>
           </a:p>
@@ -8915,7 +8632,7 @@
 </p:sld>
 </file>
 
-<file path=ppt/slides/slide18.xml><?xml version="1.0" encoding="utf-8"?>
+<file path=ppt/slides/slide17.xml><?xml version="1.0" encoding="utf-8"?>
 <p:sld xmlns:a="http://schemas.openxmlformats.org/drawingml/2006/main" xmlns:r="http://schemas.openxmlformats.org/officeDocument/2006/relationships" xmlns:p="http://schemas.openxmlformats.org/presentationml/2006/main">
   <p:cSld>
     <p:spTree>
@@ -9028,7 +8745,7 @@
           <a:p>
             <a:fld id="{254C963F-D690-449C-B336-8B464EE7B8DB}" type="slidenum">
               <a:rPr lang="pl-PL" smtClean="0"/>
-              <a:t>18</a:t>
+              <a:t>17</a:t>
             </a:fld>
             <a:endParaRPr lang="pl-PL" dirty="0"/>
           </a:p>
@@ -9503,14 +9220,14 @@
             <p:ph idx="1"/>
             <p:extLst>
               <p:ext uri="{D42A27DB-BD31-4B8C-83A1-F6EECF244321}">
-                <p14:modId xmlns:p14="http://schemas.microsoft.com/office/powerpoint/2010/main" val="3329471007"/>
+                <p14:modId xmlns:p14="http://schemas.microsoft.com/office/powerpoint/2010/main" val="1220204656"/>
               </p:ext>
             </p:extLst>
           </p:nvPr>
         </p:nvGraphicFramePr>
         <p:xfrm>
           <a:off x="866601" y="2392680"/>
-          <a:ext cx="10458797" cy="2072640"/>
+          <a:ext cx="10458797" cy="2590800"/>
         </p:xfrm>
         <a:graphic>
           <a:graphicData uri="http://schemas.openxmlformats.org/drawingml/2006/table">
@@ -9568,7 +9285,7 @@
                     <a:p>
                       <a:r>
                         <a:rPr lang="pl-PL" sz="2800" noProof="0" dirty="0"/>
-                        <a:t>Version Control System</a:t>
+                        <a:t>Version Control System (GIT)</a:t>
                       </a:r>
                       <a:endParaRPr lang="en-US" sz="2800" noProof="0" dirty="0"/>
                     </a:p>
@@ -9629,32 +9346,28 @@
                     <a:lstStyle/>
                     <a:p>
                       <a:r>
-                        <a:rPr lang="pl-PL" sz="2800" noProof="0" dirty="0"/>
+                        <a:rPr lang="en-US" sz="2800" noProof="0" dirty="0"/>
                         <a:t>Basics of </a:t>
                       </a:r>
                       <a:r>
+                        <a:rPr lang="pl-PL" sz="2800" noProof="0" dirty="0"/>
+                        <a:t>data </a:t>
+                      </a:r>
+                      <a:r>
+                        <a:rPr lang="en-US" sz="2800" noProof="0" dirty="0" err="1"/>
+                        <a:t>descri</a:t>
+                      </a:r>
+                      <a:r>
                         <a:rPr lang="pl-PL" sz="2800" noProof="0" dirty="0" err="1"/>
-                        <a:t>document</a:t>
+                        <a:t>ption</a:t>
+                      </a:r>
+                      <a:r>
+                        <a:rPr lang="en-US" sz="2800" noProof="0" dirty="0"/>
+                        <a:t> and formatting </a:t>
                       </a:r>
                       <a:r>
                         <a:rPr lang="pl-PL" sz="2800" noProof="0" dirty="0"/>
-                        <a:t> </a:t>
-                      </a:r>
-                      <a:r>
-                        <a:rPr lang="pl-PL" sz="2800" noProof="0" dirty="0" err="1"/>
-                        <a:t>formatting</a:t>
-                      </a:r>
-                      <a:r>
-                        <a:rPr lang="pl-PL" sz="2800" noProof="0" dirty="0"/>
-                        <a:t> (, </a:t>
-                      </a:r>
-                      <a:r>
-                        <a:rPr lang="pl-PL" sz="2800" noProof="0" dirty="0" err="1"/>
-                        <a:t>Markdown</a:t>
-                      </a:r>
-                      <a:r>
-                        <a:rPr lang="pl-PL" sz="2800" noProof="0" dirty="0"/>
-                        <a:t>, HTML, CSS)</a:t>
+                        <a:t>(MARKDOWN)</a:t>
                       </a:r>
                       <a:endParaRPr lang="en-US" sz="2800" noProof="0" dirty="0"/>
                     </a:p>
@@ -9664,6 +9377,51 @@
                 <a:extLst>
                   <a:ext uri="{0D108BD9-81ED-4DB2-BD59-A6C34878D82A}">
                     <a16:rowId xmlns:a16="http://schemas.microsoft.com/office/drawing/2014/main" val="1797842006"/>
+                  </a:ext>
+                </a:extLst>
+              </a:tr>
+              <a:tr h="370840">
+                <a:tc>
+                  <a:txBody>
+                    <a:bodyPr/>
+                    <a:lstStyle/>
+                    <a:p>
+                      <a:r>
+                        <a:rPr lang="pl-PL" sz="2800" noProof="0" dirty="0"/>
+                        <a:t>Web </a:t>
+                      </a:r>
+                      <a:r>
+                        <a:rPr lang="pl-PL" sz="2800" noProof="0" dirty="0" err="1"/>
+                        <a:t>content</a:t>
+                      </a:r>
+                      <a:r>
+                        <a:rPr lang="pl-PL" sz="2800" noProof="0" dirty="0"/>
+                        <a:t> </a:t>
+                      </a:r>
+                      <a:r>
+                        <a:rPr lang="pl-PL" sz="2800" noProof="0" dirty="0" err="1"/>
+                        <a:t>structure</a:t>
+                      </a:r>
+                      <a:r>
+                        <a:rPr lang="pl-PL" sz="2800" noProof="0" dirty="0"/>
+                        <a:t> </a:t>
+                      </a:r>
+                      <a:r>
+                        <a:rPr lang="pl-PL" sz="2800" noProof="0" dirty="0" err="1"/>
+                        <a:t>definition</a:t>
+                      </a:r>
+                      <a:r>
+                        <a:rPr lang="pl-PL" sz="2800" noProof="0" dirty="0"/>
+                        <a:t> (HTML, CSS)</a:t>
+                      </a:r>
+                      <a:endParaRPr lang="en-US" sz="2800" noProof="0" dirty="0"/>
+                    </a:p>
+                  </a:txBody>
+                  <a:tcPr/>
+                </a:tc>
+                <a:extLst>
+                  <a:ext uri="{0D108BD9-81ED-4DB2-BD59-A6C34878D82A}">
+                    <a16:rowId xmlns:a16="http://schemas.microsoft.com/office/drawing/2014/main" val="2101661916"/>
                   </a:ext>
                 </a:extLst>
               </a:tr>
@@ -9838,7 +9596,7 @@
           <p:nvPr>
             <p:extLst>
               <p:ext uri="{D42A27DB-BD31-4B8C-83A1-F6EECF244321}">
-                <p14:modId xmlns:p14="http://schemas.microsoft.com/office/powerpoint/2010/main" val="462372546"/>
+                <p14:modId xmlns:p14="http://schemas.microsoft.com/office/powerpoint/2010/main" val="277689569"/>
               </p:ext>
             </p:extLst>
           </p:nvPr>
@@ -10174,7 +9932,25 @@
                           <a:ea typeface="Calibri" panose="020F0502020204030204" pitchFamily="34" charset="0"/>
                           <a:cs typeface="Times New Roman" panose="02020603050405020304" pitchFamily="18" charset="0"/>
                         </a:rPr>
-                        <a:t>Bonus point for high </a:t>
+                        <a:t>Bonus </a:t>
+                      </a:r>
+                      <a:r>
+                        <a:rPr lang="pl-PL" sz="2800" b="0" i="1" noProof="0" dirty="0" err="1">
+                          <a:effectLst/>
+                          <a:latin typeface="Calibri" panose="020F0502020204030204" pitchFamily="34" charset="0"/>
+                          <a:ea typeface="Calibri" panose="020F0502020204030204" pitchFamily="34" charset="0"/>
+                          <a:cs typeface="Times New Roman" panose="02020603050405020304" pitchFamily="18" charset="0"/>
+                        </a:rPr>
+                        <a:t>points</a:t>
+                      </a:r>
+                      <a:r>
+                        <a:rPr lang="pl-PL" sz="2800" b="0" i="1" noProof="0" dirty="0">
+                          <a:effectLst/>
+                          <a:latin typeface="Calibri" panose="020F0502020204030204" pitchFamily="34" charset="0"/>
+                          <a:ea typeface="Calibri" panose="020F0502020204030204" pitchFamily="34" charset="0"/>
+                          <a:cs typeface="Times New Roman" panose="02020603050405020304" pitchFamily="18" charset="0"/>
+                        </a:rPr>
+                        <a:t> for high </a:t>
                       </a:r>
                       <a:r>
                         <a:rPr lang="pl-PL" sz="2800" b="0" i="1" noProof="0" dirty="0" err="1">
@@ -10300,20 +10076,109 @@
           <a:bodyPr/>
           <a:lstStyle/>
           <a:p>
-            <a:pPr algn="ctr"/>
-            <a:endParaRPr lang="pl-PL" dirty="0"/>
-          </a:p>
-          <a:p>
-            <a:pPr algn="ctr"/>
-            <a:endParaRPr lang="pl-PL" dirty="0"/>
-          </a:p>
-          <a:p>
-            <a:pPr algn="ctr"/>
-            <a:r>
-              <a:rPr lang="pl-PL" sz="5400" dirty="0"/>
-              <a:t>Impossible</a:t>
-            </a:r>
-            <a:endParaRPr lang="pl-PL" dirty="0"/>
+            <a:pPr marL="514350" indent="-514350">
+              <a:buFont typeface="+mj-lt"/>
+              <a:buAutoNum type="arabicPeriod"/>
+            </a:pPr>
+            <a:r>
+              <a:rPr lang="en-US" dirty="0"/>
+              <a:t>At the end of </a:t>
+            </a:r>
+            <a:r>
+              <a:rPr lang="pl-PL" dirty="0"/>
+              <a:t>the </a:t>
+            </a:r>
+            <a:r>
+              <a:rPr lang="en-US" dirty="0"/>
+              <a:t>semester</a:t>
+            </a:r>
+            <a:r>
+              <a:rPr lang="pl-PL" dirty="0"/>
+              <a:t> (~January)</a:t>
+            </a:r>
+            <a:endParaRPr lang="en-US" dirty="0"/>
+          </a:p>
+          <a:p>
+            <a:pPr marL="514350" indent="-514350">
+              <a:buFont typeface="+mj-lt"/>
+              <a:buAutoNum type="arabicPeriod"/>
+            </a:pPr>
+            <a:r>
+              <a:rPr lang="pl-PL" dirty="0" err="1"/>
+              <a:t>Absence</a:t>
+            </a:r>
+            <a:r>
+              <a:rPr lang="pl-PL" dirty="0"/>
+              <a:t> </a:t>
+            </a:r>
+            <a:r>
+              <a:rPr lang="pl-PL" dirty="0" err="1"/>
+              <a:t>has</a:t>
+            </a:r>
+            <a:r>
+              <a:rPr lang="pl-PL" dirty="0"/>
+              <a:t> to be c</a:t>
+            </a:r>
+            <a:r>
+              <a:rPr lang="en-US" dirty="0" err="1"/>
+              <a:t>onfirmed</a:t>
+            </a:r>
+            <a:r>
+              <a:rPr lang="en-US" dirty="0"/>
+              <a:t> by </a:t>
+            </a:r>
+            <a:r>
+              <a:rPr lang="pl-PL" dirty="0"/>
+              <a:t>a </a:t>
+            </a:r>
+            <a:r>
+              <a:rPr lang="en-US" dirty="0"/>
+              <a:t>sick </a:t>
+            </a:r>
+            <a:r>
+              <a:rPr lang="en-US" dirty="0" err="1"/>
+              <a:t>leav</a:t>
+            </a:r>
+            <a:r>
+              <a:rPr lang="pl-PL" dirty="0"/>
+              <a:t>e (</a:t>
+            </a:r>
+            <a:r>
+              <a:rPr lang="pl-PL" dirty="0" err="1">
+                <a:solidFill>
+                  <a:srgbClr val="FF0000"/>
+                </a:solidFill>
+              </a:rPr>
+              <a:t>within</a:t>
+            </a:r>
+            <a:r>
+              <a:rPr lang="pl-PL" dirty="0">
+                <a:solidFill>
+                  <a:srgbClr val="FF0000"/>
+                </a:solidFill>
+              </a:rPr>
+              <a:t> 7 </a:t>
+            </a:r>
+            <a:r>
+              <a:rPr lang="pl-PL" dirty="0" err="1">
+                <a:solidFill>
+                  <a:srgbClr val="FF0000"/>
+                </a:solidFill>
+              </a:rPr>
+              <a:t>days</a:t>
+            </a:r>
+            <a:r>
+              <a:rPr lang="pl-PL" dirty="0"/>
+              <a:t>)</a:t>
+            </a:r>
+            <a:endParaRPr lang="en-US" dirty="0"/>
+          </a:p>
+          <a:p>
+            <a:pPr marL="514350" indent="-514350">
+              <a:buFont typeface="+mj-lt"/>
+              <a:buAutoNum type="arabicPeriod"/>
+            </a:pPr>
+            <a:endParaRPr lang="en-US" dirty="0"/>
           </a:p>
         </p:txBody>
       </p:sp>
@@ -10341,245 +10206,6 @@
             <a:fld id="{254C963F-D690-449C-B336-8B464EE7B8DB}" type="slidenum">
               <a:rPr lang="pl-PL" smtClean="0"/>
               <a:t>6</a:t>
-            </a:fld>
-            <a:endParaRPr lang="pl-PL" dirty="0"/>
-          </a:p>
-        </p:txBody>
-      </p:sp>
-      <p:sp>
-        <p:nvSpPr>
-          <p:cNvPr id="4" name="Tytuł 3">
-            <a:extLst>
-              <a:ext uri="{FF2B5EF4-FFF2-40B4-BE49-F238E27FC236}">
-                <a16:creationId xmlns:a16="http://schemas.microsoft.com/office/drawing/2014/main" id="{1F28A227-2EE6-83AA-612F-04A8958950DA}"/>
-              </a:ext>
-            </a:extLst>
-          </p:cNvPr>
-          <p:cNvSpPr>
-            <a:spLocks noGrp="1"/>
-          </p:cNvSpPr>
-          <p:nvPr>
-            <p:ph type="title"/>
-          </p:nvPr>
-        </p:nvSpPr>
-        <p:spPr/>
-        <p:txBody>
-          <a:bodyPr/>
-          <a:lstStyle/>
-          <a:p>
-            <a:r>
-              <a:rPr lang="pl-PL" dirty="0"/>
-              <a:t>Test </a:t>
-            </a:r>
-            <a:r>
-              <a:rPr lang="pl-PL" dirty="0" err="1"/>
-              <a:t>Score</a:t>
-            </a:r>
-            <a:r>
-              <a:rPr lang="pl-PL" dirty="0"/>
-              <a:t> </a:t>
-            </a:r>
-            <a:r>
-              <a:rPr lang="pl-PL" dirty="0" err="1"/>
-              <a:t>Improvement</a:t>
-            </a:r>
-            <a:endParaRPr lang="pl-PL" dirty="0"/>
-          </a:p>
-        </p:txBody>
-      </p:sp>
-    </p:spTree>
-    <p:extLst>
-      <p:ext uri="{BB962C8B-B14F-4D97-AF65-F5344CB8AC3E}">
-        <p14:creationId xmlns:p14="http://schemas.microsoft.com/office/powerpoint/2010/main" val="3170683099"/>
-      </p:ext>
-    </p:extLst>
-  </p:cSld>
-  <p:clrMapOvr>
-    <a:masterClrMapping/>
-  </p:clrMapOvr>
-  <mc:AlternateContent xmlns:mc="http://schemas.openxmlformats.org/markup-compatibility/2006" xmlns:p14="http://schemas.microsoft.com/office/powerpoint/2010/main">
-    <mc:Choice Requires="p14">
-      <p:transition spd="slow" p14:dur="1200" advTm="33816">
-        <p14:prism/>
-      </p:transition>
-    </mc:Choice>
-    <mc:Fallback xmlns="">
-      <p:transition spd="slow" advTm="33816">
-        <p:fade/>
-      </p:transition>
-    </mc:Fallback>
-  </mc:AlternateContent>
-</p:sld>
-</file>
-
-<file path=ppt/slides/slide7.xml><?xml version="1.0" encoding="utf-8"?>
-<p:sld xmlns:a="http://schemas.openxmlformats.org/drawingml/2006/main" xmlns:r="http://schemas.openxmlformats.org/officeDocument/2006/relationships" xmlns:p="http://schemas.openxmlformats.org/presentationml/2006/main">
-  <p:cSld>
-    <p:spTree>
-      <p:nvGrpSpPr>
-        <p:cNvPr id="1" name=""/>
-        <p:cNvGrpSpPr/>
-        <p:nvPr/>
-      </p:nvGrpSpPr>
-      <p:grpSpPr>
-        <a:xfrm>
-          <a:off x="0" y="0"/>
-          <a:ext cx="0" cy="0"/>
-          <a:chOff x="0" y="0"/>
-          <a:chExt cx="0" cy="0"/>
-        </a:xfrm>
-      </p:grpSpPr>
-      <p:sp>
-        <p:nvSpPr>
-          <p:cNvPr id="2" name="Symbol zastępczy zawartości 1">
-            <a:extLst>
-              <a:ext uri="{FF2B5EF4-FFF2-40B4-BE49-F238E27FC236}">
-                <a16:creationId xmlns:a16="http://schemas.microsoft.com/office/drawing/2014/main" id="{323C843C-BB9F-F359-A3C4-389BFAB44E17}"/>
-              </a:ext>
-            </a:extLst>
-          </p:cNvPr>
-          <p:cNvSpPr>
-            <a:spLocks noGrp="1"/>
-          </p:cNvSpPr>
-          <p:nvPr>
-            <p:ph idx="1"/>
-          </p:nvPr>
-        </p:nvSpPr>
-        <p:spPr/>
-        <p:txBody>
-          <a:bodyPr/>
-          <a:lstStyle/>
-          <a:p>
-            <a:pPr marL="514350" indent="-514350">
-              <a:buFont typeface="+mj-lt"/>
-              <a:buAutoNum type="arabicPeriod"/>
-            </a:pPr>
-            <a:r>
-              <a:rPr lang="en-US" dirty="0"/>
-              <a:t>At the end of </a:t>
-            </a:r>
-            <a:r>
-              <a:rPr lang="pl-PL" dirty="0"/>
-              <a:t>the </a:t>
-            </a:r>
-            <a:r>
-              <a:rPr lang="en-US" dirty="0"/>
-              <a:t>semester</a:t>
-            </a:r>
-            <a:r>
-              <a:rPr lang="pl-PL" dirty="0"/>
-              <a:t> (~January)</a:t>
-            </a:r>
-            <a:endParaRPr lang="en-US" dirty="0"/>
-          </a:p>
-          <a:p>
-            <a:pPr marL="514350" indent="-514350">
-              <a:buFont typeface="+mj-lt"/>
-              <a:buAutoNum type="arabicPeriod"/>
-            </a:pPr>
-            <a:r>
-              <a:rPr lang="pl-PL" dirty="0" err="1"/>
-              <a:t>Absence</a:t>
-            </a:r>
-            <a:r>
-              <a:rPr lang="pl-PL" dirty="0"/>
-              <a:t> </a:t>
-            </a:r>
-            <a:r>
-              <a:rPr lang="pl-PL" dirty="0" err="1"/>
-              <a:t>has</a:t>
-            </a:r>
-            <a:r>
-              <a:rPr lang="pl-PL" dirty="0"/>
-              <a:t> to be c</a:t>
-            </a:r>
-            <a:r>
-              <a:rPr lang="en-US" dirty="0" err="1"/>
-              <a:t>onfirmed</a:t>
-            </a:r>
-            <a:r>
-              <a:rPr lang="en-US" dirty="0"/>
-              <a:t> by </a:t>
-            </a:r>
-            <a:r>
-              <a:rPr lang="pl-PL" dirty="0"/>
-              <a:t>a </a:t>
-            </a:r>
-            <a:r>
-              <a:rPr lang="en-US" dirty="0"/>
-              <a:t>sick </a:t>
-            </a:r>
-            <a:r>
-              <a:rPr lang="en-US" dirty="0" err="1"/>
-              <a:t>leav</a:t>
-            </a:r>
-            <a:r>
-              <a:rPr lang="pl-PL" dirty="0"/>
-              <a:t>e (</a:t>
-            </a:r>
-            <a:r>
-              <a:rPr lang="pl-PL" dirty="0" err="1">
-                <a:solidFill>
-                  <a:srgbClr val="FF0000"/>
-                </a:solidFill>
-              </a:rPr>
-              <a:t>within</a:t>
-            </a:r>
-            <a:r>
-              <a:rPr lang="pl-PL" dirty="0">
-                <a:solidFill>
-                  <a:srgbClr val="FF0000"/>
-                </a:solidFill>
-              </a:rPr>
-              <a:t> 7 </a:t>
-            </a:r>
-            <a:r>
-              <a:rPr lang="pl-PL" dirty="0" err="1">
-                <a:solidFill>
-                  <a:srgbClr val="FF0000"/>
-                </a:solidFill>
-              </a:rPr>
-              <a:t>days</a:t>
-            </a:r>
-            <a:r>
-              <a:rPr lang="pl-PL" dirty="0"/>
-              <a:t>)</a:t>
-            </a:r>
-            <a:endParaRPr lang="en-US" dirty="0"/>
-          </a:p>
-          <a:p>
-            <a:pPr marL="514350" indent="-514350">
-              <a:buFont typeface="+mj-lt"/>
-              <a:buAutoNum type="arabicPeriod"/>
-            </a:pPr>
-            <a:endParaRPr lang="en-US" dirty="0"/>
-          </a:p>
-        </p:txBody>
-      </p:sp>
-      <p:sp>
-        <p:nvSpPr>
-          <p:cNvPr id="3" name="Symbol zastępczy numeru slajdu 2">
-            <a:extLst>
-              <a:ext uri="{FF2B5EF4-FFF2-40B4-BE49-F238E27FC236}">
-                <a16:creationId xmlns:a16="http://schemas.microsoft.com/office/drawing/2014/main" id="{6D89C42E-F8EA-55DF-48A0-D634D5DC071D}"/>
-              </a:ext>
-            </a:extLst>
-          </p:cNvPr>
-          <p:cNvSpPr>
-            <a:spLocks noGrp="1"/>
-          </p:cNvSpPr>
-          <p:nvPr>
-            <p:ph type="sldNum" sz="quarter" idx="12"/>
-          </p:nvPr>
-        </p:nvSpPr>
-        <p:spPr/>
-        <p:txBody>
-          <a:bodyPr/>
-          <a:lstStyle/>
-          <a:p>
-            <a:fld id="{254C963F-D690-449C-B336-8B464EE7B8DB}" type="slidenum">
-              <a:rPr lang="pl-PL" smtClean="0"/>
-              <a:t>7</a:t>
             </a:fld>
             <a:endParaRPr lang="pl-PL" dirty="0"/>
           </a:p>
@@ -10651,7 +10277,7 @@
 </p:sld>
 </file>
 
-<file path=ppt/slides/slide8.xml><?xml version="1.0" encoding="utf-8"?>
+<file path=ppt/slides/slide7.xml><?xml version="1.0" encoding="utf-8"?>
 <p:sld xmlns:a="http://schemas.openxmlformats.org/drawingml/2006/main" xmlns:r="http://schemas.openxmlformats.org/officeDocument/2006/relationships" xmlns:p="http://schemas.openxmlformats.org/presentationml/2006/main">
   <p:cSld>
     <p:spTree>
@@ -11247,7 +10873,7 @@
           <a:p>
             <a:fld id="{254C963F-D690-449C-B336-8B464EE7B8DB}" type="slidenum">
               <a:rPr lang="en-US" smtClean="0"/>
-              <a:t>8</a:t>
+              <a:t>7</a:t>
             </a:fld>
             <a:endParaRPr lang="en-US"/>
           </a:p>
@@ -11306,7 +10932,7 @@
 </p:sld>
 </file>
 
-<file path=ppt/slides/slide9.xml><?xml version="1.0" encoding="utf-8"?>
+<file path=ppt/slides/slide8.xml><?xml version="1.0" encoding="utf-8"?>
 <p:sld xmlns:a="http://schemas.openxmlformats.org/drawingml/2006/main" xmlns:r="http://schemas.openxmlformats.org/officeDocument/2006/relationships" xmlns:p="http://schemas.openxmlformats.org/presentationml/2006/main">
   <p:cSld>
     <p:spTree>
@@ -11452,7 +11078,7 @@
           <a:p>
             <a:fld id="{254C963F-D690-449C-B336-8B464EE7B8DB}" type="slidenum">
               <a:rPr lang="pl-PL" smtClean="0"/>
-              <a:t>9</a:t>
+              <a:t>8</a:t>
             </a:fld>
             <a:endParaRPr lang="pl-PL" dirty="0"/>
           </a:p>
@@ -11476,6 +11102,219 @@
     </mc:Choice>
     <mc:Fallback xmlns="">
       <p:transition spd="slow" advTm="25721">
+        <p:fade/>
+      </p:transition>
+    </mc:Fallback>
+  </mc:AlternateContent>
+</p:sld>
+</file>
+
+<file path=ppt/slides/slide9.xml><?xml version="1.0" encoding="utf-8"?>
+<p:sld xmlns:a="http://schemas.openxmlformats.org/drawingml/2006/main" xmlns:r="http://schemas.openxmlformats.org/officeDocument/2006/relationships" xmlns:p="http://schemas.openxmlformats.org/presentationml/2006/main">
+  <p:cSld>
+    <p:spTree>
+      <p:nvGrpSpPr>
+        <p:cNvPr id="1" name=""/>
+        <p:cNvGrpSpPr/>
+        <p:nvPr/>
+      </p:nvGrpSpPr>
+      <p:grpSpPr>
+        <a:xfrm>
+          <a:off x="0" y="0"/>
+          <a:ext cx="0" cy="0"/>
+          <a:chOff x="0" y="0"/>
+          <a:chExt cx="0" cy="0"/>
+        </a:xfrm>
+      </p:grpSpPr>
+      <p:sp>
+        <p:nvSpPr>
+          <p:cNvPr id="6" name="Symbol zastępczy zawartości 5">
+            <a:extLst>
+              <a:ext uri="{FF2B5EF4-FFF2-40B4-BE49-F238E27FC236}">
+                <a16:creationId xmlns:a16="http://schemas.microsoft.com/office/drawing/2014/main" id="{3BEF4DD1-DF03-4BD7-972C-609EAA9D84FC}"/>
+              </a:ext>
+            </a:extLst>
+          </p:cNvPr>
+          <p:cNvSpPr>
+            <a:spLocks noGrp="1"/>
+          </p:cNvSpPr>
+          <p:nvPr>
+            <p:ph idx="1"/>
+          </p:nvPr>
+        </p:nvSpPr>
+        <p:spPr/>
+        <p:txBody>
+          <a:bodyPr>
+            <a:normAutofit/>
+          </a:bodyPr>
+          <a:lstStyle/>
+          <a:p>
+            <a:pPr marL="514350" indent="-514350">
+              <a:buFont typeface="+mj-lt"/>
+              <a:buAutoNum type="arabicPeriod"/>
+            </a:pPr>
+            <a:r>
+              <a:rPr lang="pl-PL" dirty="0"/>
+              <a:t>Run Microsoft </a:t>
+            </a:r>
+            <a:r>
+              <a:rPr lang="pl-PL" dirty="0" err="1"/>
+              <a:t>Teams</a:t>
+            </a:r>
+            <a:endParaRPr lang="pl-PL" dirty="0"/>
+          </a:p>
+          <a:p>
+            <a:pPr marL="514350" indent="-514350">
+              <a:buFont typeface="+mj-lt"/>
+              <a:buAutoNum type="arabicPeriod"/>
+            </a:pPr>
+            <a:r>
+              <a:rPr lang="en-US" dirty="0"/>
+              <a:t>Log in to your account</a:t>
+            </a:r>
+          </a:p>
+          <a:p>
+            <a:pPr marL="514350" indent="-514350">
+              <a:buFont typeface="+mj-lt"/>
+              <a:buAutoNum type="arabicPeriod"/>
+            </a:pPr>
+            <a:r>
+              <a:rPr lang="pl-PL" dirty="0"/>
+              <a:t>Display team list</a:t>
+            </a:r>
+          </a:p>
+          <a:p>
+            <a:pPr marL="514350" indent="-514350">
+              <a:buFont typeface="+mj-lt"/>
+              <a:buAutoNum type="arabicPeriod"/>
+            </a:pPr>
+            <a:r>
+              <a:rPr lang="pl-PL" dirty="0"/>
+              <a:t>Select „</a:t>
+            </a:r>
+            <a:r>
+              <a:rPr lang="pl-PL" dirty="0" err="1"/>
+              <a:t>join</a:t>
+            </a:r>
+            <a:r>
+              <a:rPr lang="pl-PL" dirty="0"/>
+              <a:t> a team”</a:t>
+            </a:r>
+          </a:p>
+          <a:p>
+            <a:pPr marL="514350" indent="-514350">
+              <a:buFont typeface="+mj-lt"/>
+              <a:buAutoNum type="arabicPeriod"/>
+            </a:pPr>
+            <a:r>
+              <a:rPr lang="pl-PL" dirty="0" err="1"/>
+              <a:t>Use</a:t>
+            </a:r>
+            <a:r>
+              <a:rPr lang="pl-PL" dirty="0"/>
+              <a:t> a team code</a:t>
+            </a:r>
+            <a:br>
+              <a:rPr lang="pl-PL" dirty="0"/>
+            </a:br>
+            <a:r>
+              <a:rPr lang="pl-PL" dirty="0">
+                <a:solidFill>
+                  <a:srgbClr val="00B0F0"/>
+                </a:solidFill>
+              </a:rPr>
+              <a:t>2626hb7</a:t>
+            </a:r>
+          </a:p>
+        </p:txBody>
+      </p:sp>
+      <p:sp>
+        <p:nvSpPr>
+          <p:cNvPr id="4" name="Symbol zastępczy numeru slajdu 3">
+            <a:extLst>
+              <a:ext uri="{FF2B5EF4-FFF2-40B4-BE49-F238E27FC236}">
+                <a16:creationId xmlns:a16="http://schemas.microsoft.com/office/drawing/2014/main" id="{A9E7A3CE-C572-405A-92A2-0E1533B68464}"/>
+              </a:ext>
+            </a:extLst>
+          </p:cNvPr>
+          <p:cNvSpPr>
+            <a:spLocks noGrp="1"/>
+          </p:cNvSpPr>
+          <p:nvPr>
+            <p:ph type="sldNum" sz="quarter" idx="12"/>
+          </p:nvPr>
+        </p:nvSpPr>
+        <p:spPr/>
+        <p:txBody>
+          <a:bodyPr/>
+          <a:lstStyle/>
+          <a:p>
+            <a:fld id="{254C963F-D690-449C-B336-8B464EE7B8DB}" type="slidenum">
+              <a:rPr lang="en-US" smtClean="0"/>
+              <a:t>9</a:t>
+            </a:fld>
+            <a:endParaRPr lang="en-US" dirty="0"/>
+          </a:p>
+        </p:txBody>
+      </p:sp>
+      <p:sp>
+        <p:nvSpPr>
+          <p:cNvPr id="5" name="Tytuł 4">
+            <a:extLst>
+              <a:ext uri="{FF2B5EF4-FFF2-40B4-BE49-F238E27FC236}">
+                <a16:creationId xmlns:a16="http://schemas.microsoft.com/office/drawing/2014/main" id="{E5EAA86D-7FAF-4F5F-B693-8A5642336538}"/>
+              </a:ext>
+            </a:extLst>
+          </p:cNvPr>
+          <p:cNvSpPr>
+            <a:spLocks noGrp="1"/>
+          </p:cNvSpPr>
+          <p:nvPr>
+            <p:ph type="title"/>
+          </p:nvPr>
+        </p:nvSpPr>
+        <p:spPr/>
+        <p:txBody>
+          <a:bodyPr/>
+          <a:lstStyle/>
+          <a:p>
+            <a:r>
+              <a:rPr lang="en-US" dirty="0"/>
+              <a:t>Sign up for </a:t>
+            </a:r>
+            <a:r>
+              <a:rPr lang="pl-PL" dirty="0"/>
+              <a:t>C</a:t>
+            </a:r>
+            <a:r>
+              <a:rPr lang="en-US" dirty="0" err="1"/>
+              <a:t>ourse</a:t>
+            </a:r>
+            <a:r>
+              <a:rPr lang="en-US" dirty="0"/>
+              <a:t> on Teams</a:t>
+            </a:r>
+          </a:p>
+        </p:txBody>
+      </p:sp>
+    </p:spTree>
+    <p:extLst>
+      <p:ext uri="{BB962C8B-B14F-4D97-AF65-F5344CB8AC3E}">
+        <p14:creationId xmlns:p14="http://schemas.microsoft.com/office/powerpoint/2010/main" val="3207883656"/>
+      </p:ext>
+    </p:extLst>
+  </p:cSld>
+  <p:clrMapOvr>
+    <a:masterClrMapping/>
+  </p:clrMapOvr>
+  <mc:AlternateContent xmlns:mc="http://schemas.openxmlformats.org/markup-compatibility/2006" xmlns:p14="http://schemas.microsoft.com/office/powerpoint/2010/main">
+    <mc:Choice Requires="p14">
+      <p:transition spd="slow" p14:dur="1200" advTm="30614">
+        <p14:prism/>
+      </p:transition>
+    </mc:Choice>
+    <mc:Fallback xmlns="">
+      <p:transition spd="slow" advTm="30614">
         <p:fade/>
       </p:transition>
     </mc:Fallback>
